--- a/Team Member 02/Assessment 01/Job Search Website.pptx
+++ b/Team Member 02/Assessment 01/Job Search Website.pptx
@@ -313,7 +313,7 @@
           <a:p>
             <a:fld id="{692BDCC2-5F5E-47DB-A738-81B8C0AC1B30}" type="datetimeFigureOut">
               <a:rPr lang="en-IN" smtClean="0"/>
-              <a:t>16-10-2023</a:t>
+              <a:t>24-10-2023</a:t>
             </a:fld>
             <a:endParaRPr lang="en-IN"/>
           </a:p>
@@ -749,7 +749,7 @@
           <a:p>
             <a:fld id="{692BDCC2-5F5E-47DB-A738-81B8C0AC1B30}" type="datetimeFigureOut">
               <a:rPr lang="en-IN" smtClean="0"/>
-              <a:t>16-10-2023</a:t>
+              <a:t>24-10-2023</a:t>
             </a:fld>
             <a:endParaRPr lang="en-IN"/>
           </a:p>
@@ -999,7 +999,7 @@
           <a:p>
             <a:fld id="{692BDCC2-5F5E-47DB-A738-81B8C0AC1B30}" type="datetimeFigureOut">
               <a:rPr lang="en-IN" smtClean="0"/>
-              <a:t>16-10-2023</a:t>
+              <a:t>24-10-2023</a:t>
             </a:fld>
             <a:endParaRPr lang="en-IN"/>
           </a:p>
@@ -1307,7 +1307,7 @@
           <a:p>
             <a:fld id="{692BDCC2-5F5E-47DB-A738-81B8C0AC1B30}" type="datetimeFigureOut">
               <a:rPr lang="en-IN" smtClean="0"/>
-              <a:t>16-10-2023</a:t>
+              <a:t>24-10-2023</a:t>
             </a:fld>
             <a:endParaRPr lang="en-IN"/>
           </a:p>
@@ -1625,7 +1625,7 @@
           <a:p>
             <a:fld id="{692BDCC2-5F5E-47DB-A738-81B8C0AC1B30}" type="datetimeFigureOut">
               <a:rPr lang="en-IN" smtClean="0"/>
-              <a:t>16-10-2023</a:t>
+              <a:t>24-10-2023</a:t>
             </a:fld>
             <a:endParaRPr lang="en-IN"/>
           </a:p>
@@ -1927,7 +1927,7 @@
           <a:p>
             <a:fld id="{692BDCC2-5F5E-47DB-A738-81B8C0AC1B30}" type="datetimeFigureOut">
               <a:rPr lang="en-IN" smtClean="0"/>
-              <a:t>16-10-2023</a:t>
+              <a:t>24-10-2023</a:t>
             </a:fld>
             <a:endParaRPr lang="en-IN"/>
           </a:p>
@@ -2294,7 +2294,7 @@
           <a:p>
             <a:fld id="{692BDCC2-5F5E-47DB-A738-81B8C0AC1B30}" type="datetimeFigureOut">
               <a:rPr lang="en-IN" smtClean="0"/>
-              <a:t>16-10-2023</a:t>
+              <a:t>24-10-2023</a:t>
             </a:fld>
             <a:endParaRPr lang="en-IN"/>
           </a:p>
@@ -2468,7 +2468,7 @@
           <a:p>
             <a:fld id="{692BDCC2-5F5E-47DB-A738-81B8C0AC1B30}" type="datetimeFigureOut">
               <a:rPr lang="en-IN" smtClean="0"/>
-              <a:t>16-10-2023</a:t>
+              <a:t>24-10-2023</a:t>
             </a:fld>
             <a:endParaRPr lang="en-IN"/>
           </a:p>
@@ -2648,7 +2648,7 @@
           <a:p>
             <a:fld id="{692BDCC2-5F5E-47DB-A738-81B8C0AC1B30}" type="datetimeFigureOut">
               <a:rPr lang="en-IN" smtClean="0"/>
-              <a:t>16-10-2023</a:t>
+              <a:t>24-10-2023</a:t>
             </a:fld>
             <a:endParaRPr lang="en-IN"/>
           </a:p>
@@ -2818,7 +2818,7 @@
           <a:p>
             <a:fld id="{692BDCC2-5F5E-47DB-A738-81B8C0AC1B30}" type="datetimeFigureOut">
               <a:rPr lang="en-IN" smtClean="0"/>
-              <a:t>16-10-2023</a:t>
+              <a:t>24-10-2023</a:t>
             </a:fld>
             <a:endParaRPr lang="en-IN"/>
           </a:p>
@@ -3068,7 +3068,7 @@
           <a:p>
             <a:fld id="{692BDCC2-5F5E-47DB-A738-81B8C0AC1B30}" type="datetimeFigureOut">
               <a:rPr lang="en-IN" smtClean="0"/>
-              <a:t>16-10-2023</a:t>
+              <a:t>24-10-2023</a:t>
             </a:fld>
             <a:endParaRPr lang="en-IN"/>
           </a:p>
@@ -3304,7 +3304,7 @@
           <a:p>
             <a:fld id="{692BDCC2-5F5E-47DB-A738-81B8C0AC1B30}" type="datetimeFigureOut">
               <a:rPr lang="en-IN" smtClean="0"/>
-              <a:t>16-10-2023</a:t>
+              <a:t>24-10-2023</a:t>
             </a:fld>
             <a:endParaRPr lang="en-IN"/>
           </a:p>
@@ -3686,7 +3686,7 @@
           <a:p>
             <a:fld id="{692BDCC2-5F5E-47DB-A738-81B8C0AC1B30}" type="datetimeFigureOut">
               <a:rPr lang="en-IN" smtClean="0"/>
-              <a:t>16-10-2023</a:t>
+              <a:t>24-10-2023</a:t>
             </a:fld>
             <a:endParaRPr lang="en-IN"/>
           </a:p>
@@ -3804,7 +3804,7 @@
           <a:p>
             <a:fld id="{692BDCC2-5F5E-47DB-A738-81B8C0AC1B30}" type="datetimeFigureOut">
               <a:rPr lang="en-IN" smtClean="0"/>
-              <a:t>16-10-2023</a:t>
+              <a:t>24-10-2023</a:t>
             </a:fld>
             <a:endParaRPr lang="en-IN"/>
           </a:p>
@@ -3899,7 +3899,7 @@
           <a:p>
             <a:fld id="{692BDCC2-5F5E-47DB-A738-81B8C0AC1B30}" type="datetimeFigureOut">
               <a:rPr lang="en-IN" smtClean="0"/>
-              <a:t>16-10-2023</a:t>
+              <a:t>24-10-2023</a:t>
             </a:fld>
             <a:endParaRPr lang="en-IN"/>
           </a:p>
@@ -4154,7 +4154,7 @@
           <a:p>
             <a:fld id="{692BDCC2-5F5E-47DB-A738-81B8C0AC1B30}" type="datetimeFigureOut">
               <a:rPr lang="en-IN" smtClean="0"/>
-              <a:t>16-10-2023</a:t>
+              <a:t>24-10-2023</a:t>
             </a:fld>
             <a:endParaRPr lang="en-IN"/>
           </a:p>
@@ -4437,7 +4437,7 @@
           <a:p>
             <a:fld id="{692BDCC2-5F5E-47DB-A738-81B8C0AC1B30}" type="datetimeFigureOut">
               <a:rPr lang="en-IN" smtClean="0"/>
-              <a:t>16-10-2023</a:t>
+              <a:t>24-10-2023</a:t>
             </a:fld>
             <a:endParaRPr lang="en-IN"/>
           </a:p>
@@ -4843,7 +4843,7 @@
           <a:p>
             <a:fld id="{692BDCC2-5F5E-47DB-A738-81B8C0AC1B30}" type="datetimeFigureOut">
               <a:rPr lang="en-IN" smtClean="0"/>
-              <a:t>16-10-2023</a:t>
+              <a:t>24-10-2023</a:t>
             </a:fld>
             <a:endParaRPr lang="en-IN"/>
           </a:p>
@@ -6823,15 +6823,7 @@
           <a:effectLst>
             <a:reflection blurRad="12700" stA="38000" endPos="28000" dist="5000" dir="5400000" sy="-100000" algn="bl" rotWithShape="0"/>
           </a:effectLst>
-          <a:extLst>
-            <a:ext uri="{909E8E84-426E-40DD-AFC4-6F175D3DCCD1}">
-              <a14:hiddenFill xmlns:a14="http://schemas.microsoft.com/office/drawing/2010/main">
-                <a:solidFill>
-                  <a:srgbClr val="FFFFFF"/>
-                </a:solidFill>
-              </a14:hiddenFill>
-            </a:ext>
-          </a:extLst>
+          <a:extLst/>
         </p:spPr>
       </p:pic>
     </p:spTree>
@@ -6935,8 +6927,8 @@
         </p:nvSpPr>
         <p:spPr>
           <a:xfrm>
-            <a:off x="823965" y="808893"/>
-            <a:ext cx="9979018" cy="5240215"/>
+            <a:off x="823965" y="808894"/>
+            <a:ext cx="9979018" cy="4729758"/>
           </a:xfrm>
         </p:spPr>
         <p:txBody>
@@ -6983,53 +6975,6 @@
                 <a:cs typeface="Times New Roman" panose="02020603050405020304" pitchFamily="18" charset="0"/>
               </a:rPr>
               <a:t>!</a:t>
-            </a:r>
-            <a:endParaRPr lang="en-IN" sz="2400" kern="100" dirty="0">
-              <a:solidFill>
-                <a:schemeClr val="tx1"/>
-              </a:solidFill>
-              <a:effectLst/>
-              <a:latin typeface="Times New Roman" panose="02020603050405020304" pitchFamily="18" charset="0"/>
-              <a:ea typeface="Calibri" panose="020F0502020204030204" pitchFamily="34" charset="0"/>
-              <a:cs typeface="Times New Roman" panose="02020603050405020304" pitchFamily="18" charset="0"/>
-            </a:endParaRPr>
-          </a:p>
-          <a:p>
-            <a:pPr marL="0" indent="0" algn="just">
-              <a:lnSpc>
-                <a:spcPct val="107000"/>
-              </a:lnSpc>
-              <a:spcBef>
-                <a:spcPts val="1500"/>
-              </a:spcBef>
-              <a:spcAft>
-                <a:spcPts val="500"/>
-              </a:spcAft>
-              <a:buNone/>
-            </a:pPr>
-            <a:r>
-              <a:rPr lang="en-IN" sz="2400" kern="0" dirty="0" smtClean="0">
-                <a:solidFill>
-                  <a:schemeClr val="tx1"/>
-                </a:solidFill>
-                <a:effectLst/>
-                <a:latin typeface="Times New Roman" panose="02020603050405020304" pitchFamily="18" charset="0"/>
-                <a:ea typeface="Times New Roman" panose="02020603050405020304" pitchFamily="18" charset="0"/>
-                <a:cs typeface="Times New Roman" panose="02020603050405020304" pitchFamily="18" charset="0"/>
-              </a:rPr>
-              <a:t>	You </a:t>
-            </a:r>
-            <a:r>
-              <a:rPr lang="en-IN" sz="2400" kern="0" dirty="0">
-                <a:solidFill>
-                  <a:schemeClr val="tx1"/>
-                </a:solidFill>
-                <a:effectLst/>
-                <a:latin typeface="Times New Roman" panose="02020603050405020304" pitchFamily="18" charset="0"/>
-                <a:ea typeface="Times New Roman" panose="02020603050405020304" pitchFamily="18" charset="0"/>
-                <a:cs typeface="Times New Roman" panose="02020603050405020304" pitchFamily="18" charset="0"/>
-              </a:rPr>
-              <a:t>can customize this introduction to match the unique features and benefits of your job search website. This slide should set the stage and capture the audience's attention, making them interested in learning more about your platform.</a:t>
             </a:r>
             <a:endParaRPr lang="en-IN" sz="2400" kern="100" dirty="0">
               <a:solidFill>
